--- a/总体设计/SE2020-G06-总体设计v0.0.1.pptx
+++ b/总体设计/SE2020-G06-总体设计v0.0.1.pptx
@@ -14389,7 +14389,7 @@
           <a:graphicData uri="http://schemas.openxmlformats.org/presentationml/2006/ole">
             <mc:AlternateContent xmlns:mc="http://schemas.openxmlformats.org/markup-compatibility/2006">
               <mc:Choice xmlns:v="urn:schemas-microsoft-com:vml" Requires="v">
-                <p:oleObj spid="_x0000_s1029" showAsIcon="1" r:id="rId6" imgW="971550" imgH="800100" progId="Package">
+                <p:oleObj spid="_x0000_s1031" showAsIcon="1" r:id="rId6" imgW="971550" imgH="800100" progId="Package">
                   <p:embed/>
                 </p:oleObj>
               </mc:Choice>
@@ -14442,7 +14442,7 @@
           <a:graphicData uri="http://schemas.openxmlformats.org/presentationml/2006/ole">
             <mc:AlternateContent xmlns:mc="http://schemas.openxmlformats.org/markup-compatibility/2006">
               <mc:Choice xmlns:v="urn:schemas-microsoft-com:vml" Requires="v">
-                <p:oleObj spid="_x0000_s1030" showAsIcon="1" r:id="rId8" imgW="971550" imgH="800100" progId="Package">
+                <p:oleObj spid="_x0000_s1032" showAsIcon="1" r:id="rId8" imgW="971550" imgH="800100" progId="Package">
                   <p:embed/>
                 </p:oleObj>
               </mc:Choice>
@@ -18575,7 +18575,7 @@
           <a:graphicData uri="http://schemas.openxmlformats.org/presentationml/2006/ole">
             <mc:AlternateContent xmlns:mc="http://schemas.openxmlformats.org/markup-compatibility/2006">
               <mc:Choice xmlns:v="urn:schemas-microsoft-com:vml" Requires="v">
-                <p:oleObj spid="_x0000_s2052" showAsIcon="1" r:id="rId4" imgW="971550" imgH="800100" progId="Word.Document.12">
+                <p:oleObj spid="_x0000_s2055" showAsIcon="1" r:id="rId4" imgW="971550" imgH="800100" progId="Word.Document.12">
                   <p:embed/>
                 </p:oleObj>
               </mc:Choice>
@@ -18628,7 +18628,7 @@
           <a:graphicData uri="http://schemas.openxmlformats.org/presentationml/2006/ole">
             <mc:AlternateContent xmlns:mc="http://schemas.openxmlformats.org/markup-compatibility/2006">
               <mc:Choice xmlns:v="urn:schemas-microsoft-com:vml" Requires="v">
-                <p:oleObj spid="_x0000_s2053" showAsIcon="1" r:id="rId6" imgW="971550" imgH="800100" progId="Word.Document.12">
+                <p:oleObj spid="_x0000_s2056" showAsIcon="1" r:id="rId6" imgW="971550" imgH="800100" progId="Word.Document.12">
                   <p:embed/>
                 </p:oleObj>
               </mc:Choice>
@@ -18681,7 +18681,7 @@
           <a:graphicData uri="http://schemas.openxmlformats.org/presentationml/2006/ole">
             <mc:AlternateContent xmlns:mc="http://schemas.openxmlformats.org/markup-compatibility/2006">
               <mc:Choice xmlns:v="urn:schemas-microsoft-com:vml" Requires="v">
-                <p:oleObj spid="_x0000_s2054" showAsIcon="1" r:id="rId8" imgW="971550" imgH="800100" progId="Word.Document.12">
+                <p:oleObj spid="_x0000_s2057" showAsIcon="1" r:id="rId8" imgW="971550" imgH="800100" progId="Word.Document.12">
                   <p:embed/>
                 </p:oleObj>
               </mc:Choice>
@@ -27159,6 +27159,11 @@
             <p:custDataLst>
               <p:tags r:id="rId1"/>
             </p:custDataLst>
+            <p:extLst>
+              <p:ext uri="{D42A27DB-BD31-4B8C-83A1-F6EECF244321}">
+                <p14:modId xmlns:p14="http://schemas.microsoft.com/office/powerpoint/2010/main" val="1118773898"/>
+              </p:ext>
+            </p:extLst>
           </p:nvPr>
         </p:nvGraphicFramePr>
         <p:xfrm>
@@ -27301,7 +27306,7 @@
                         <a:buNone/>
                       </a:pPr>
                       <a:r>
-                        <a:rPr lang="zh-CN" altLang="en-US" sz="3200"/>
+                        <a:rPr lang="zh-CN" altLang="en-US" sz="3200" dirty="0"/>
                         <a:t>组长评价</a:t>
                       </a:r>
                     </a:p>
@@ -27356,8 +27361,8 @@
                         <a:buNone/>
                       </a:pPr>
                       <a:r>
-                        <a:rPr lang="en-US" altLang="zh-CN"/>
-                        <a:t>94</a:t>
+                        <a:rPr lang="en-US" altLang="zh-CN" dirty="0"/>
+                        <a:t>96</a:t>
                       </a:r>
                     </a:p>
                   </a:txBody>
@@ -27372,7 +27377,7 @@
                         <a:buNone/>
                       </a:pPr>
                       <a:r>
-                        <a:rPr lang="en-US" altLang="zh-CN"/>
+                        <a:rPr lang="en-US" altLang="zh-CN" dirty="0"/>
                         <a:t>95</a:t>
                       </a:r>
                     </a:p>
@@ -27388,23 +27393,7 @@
                         <a:buNone/>
                       </a:pPr>
                       <a:r>
-                        <a:rPr lang="en-US" altLang="zh-CN"/>
-                        <a:t>95</a:t>
-                      </a:r>
-                    </a:p>
-                  </a:txBody>
-                  <a:tcPr/>
-                </a:tc>
-                <a:tc>
-                  <a:txBody>
-                    <a:bodyPr/>
-                    <a:lstStyle/>
-                    <a:p>
-                      <a:pPr>
-                        <a:buNone/>
-                      </a:pPr>
-                      <a:r>
-                        <a:rPr lang="en-US" altLang="zh-CN"/>
+                        <a:rPr lang="en-US" altLang="zh-CN" dirty="0"/>
                         <a:t>96</a:t>
                       </a:r>
                     </a:p>
@@ -27420,8 +27409,24 @@
                         <a:buNone/>
                       </a:pPr>
                       <a:r>
-                        <a:rPr lang="en-US" altLang="zh-CN"/>
-                        <a:t>94.8</a:t>
+                        <a:rPr lang="en-US" altLang="zh-CN" dirty="0"/>
+                        <a:t>96</a:t>
+                      </a:r>
+                    </a:p>
+                  </a:txBody>
+                  <a:tcPr/>
+                </a:tc>
+                <a:tc>
+                  <a:txBody>
+                    <a:bodyPr/>
+                    <a:lstStyle/>
+                    <a:p>
+                      <a:pPr>
+                        <a:buNone/>
+                      </a:pPr>
+                      <a:r>
+                        <a:rPr lang="en-US" altLang="zh-CN" dirty="0"/>
+                        <a:t>95.7</a:t>
                       </a:r>
                     </a:p>
                   </a:txBody>
@@ -27472,7 +27477,7 @@
                         <a:buNone/>
                       </a:pPr>
                       <a:r>
-                        <a:rPr lang="en-US" altLang="zh-CN"/>
+                        <a:rPr lang="en-US" altLang="zh-CN" dirty="0"/>
                         <a:t>95</a:t>
                       </a:r>
                     </a:p>
@@ -27488,7 +27493,7 @@
                         <a:buNone/>
                       </a:pPr>
                       <a:r>
-                        <a:rPr lang="en-US" altLang="zh-CN"/>
+                        <a:rPr lang="en-US" altLang="zh-CN" dirty="0"/>
                         <a:t>96</a:t>
                       </a:r>
                     </a:p>
@@ -27504,7 +27509,7 @@
                         <a:buNone/>
                       </a:pPr>
                       <a:r>
-                        <a:rPr lang="en-US" altLang="zh-CN"/>
+                        <a:rPr lang="en-US" altLang="zh-CN" dirty="0"/>
                         <a:t>95</a:t>
                       </a:r>
                     </a:p>
@@ -27520,7 +27525,7 @@
                         <a:buNone/>
                       </a:pPr>
                       <a:r>
-                        <a:rPr lang="en-US" altLang="zh-CN"/>
+                        <a:rPr lang="en-US" altLang="zh-CN" dirty="0"/>
                         <a:t>95.3</a:t>
                       </a:r>
                     </a:p>
@@ -27572,7 +27577,39 @@
                         <a:buNone/>
                       </a:pPr>
                       <a:r>
-                        <a:rPr lang="en-US" altLang="zh-CN"/>
+                        <a:rPr lang="en-US" altLang="zh-CN" dirty="0"/>
+                        <a:t>95</a:t>
+                      </a:r>
+                    </a:p>
+                  </a:txBody>
+                  <a:tcPr/>
+                </a:tc>
+                <a:tc>
+                  <a:txBody>
+                    <a:bodyPr/>
+                    <a:lstStyle/>
+                    <a:p>
+                      <a:pPr>
+                        <a:buNone/>
+                      </a:pPr>
+                      <a:r>
+                        <a:rPr lang="en-US" altLang="zh-CN" dirty="0"/>
+                        <a:t>96</a:t>
+                      </a:r>
+                    </a:p>
+                  </a:txBody>
+                  <a:tcPr/>
+                </a:tc>
+                <a:tc>
+                  <a:txBody>
+                    <a:bodyPr/>
+                    <a:lstStyle/>
+                    <a:p>
+                      <a:pPr>
+                        <a:buNone/>
+                      </a:pPr>
+                      <a:r>
+                        <a:rPr lang="en-US" altLang="zh-CN" dirty="0"/>
                         <a:t>97</a:t>
                       </a:r>
                     </a:p>
@@ -27588,40 +27625,8 @@
                         <a:buNone/>
                       </a:pPr>
                       <a:r>
-                        <a:rPr lang="en-US" altLang="zh-CN"/>
-                        <a:t>96</a:t>
-                      </a:r>
-                    </a:p>
-                  </a:txBody>
-                  <a:tcPr/>
-                </a:tc>
-                <a:tc>
-                  <a:txBody>
-                    <a:bodyPr/>
-                    <a:lstStyle/>
-                    <a:p>
-                      <a:pPr>
-                        <a:buNone/>
-                      </a:pPr>
-                      <a:r>
-                        <a:rPr lang="en-US" altLang="zh-CN"/>
-                        <a:t>97</a:t>
-                      </a:r>
-                    </a:p>
-                  </a:txBody>
-                  <a:tcPr/>
-                </a:tc>
-                <a:tc>
-                  <a:txBody>
-                    <a:bodyPr/>
-                    <a:lstStyle/>
-                    <a:p>
-                      <a:pPr>
-                        <a:buNone/>
-                      </a:pPr>
-                      <a:r>
-                        <a:rPr lang="en-US" altLang="zh-CN"/>
-                        <a:t>96.1</a:t>
+                        <a:rPr lang="en-US" altLang="zh-CN" dirty="0"/>
+                        <a:t>95.5</a:t>
                       </a:r>
                     </a:p>
                   </a:txBody>
